--- a/Material/IETF120 side meeting discussion.pptx
+++ b/Material/IETF120 side meeting discussion.pptx
@@ -208,7 +208,7 @@
           <a:p>
             <a:fld id="{8E9276A9-F8EA-4524-A57D-AC15174C1E8D}" type="datetimeFigureOut">
               <a:rPr lang="zh-CN" altLang="en-US" smtClean="0"/>
-              <a:t>2024/7/19</a:t>
+              <a:t>2024/7/25</a:t>
             </a:fld>
             <a:endParaRPr lang="zh-CN" altLang="en-US"/>
           </a:p>
@@ -6317,7 +6317,7 @@
   <p:clrMapOvr>
     <a:masterClrMapping/>
   </p:clrMapOvr>
-  <p:extLst mod="1">
+  <p:extLst>
     <p:ext uri="{DCECCB84-F9BA-43D5-87BE-67443E8EF086}">
       <p15:sldGuideLst xmlns:p15="http://schemas.microsoft.com/office/powerpoint/2012/main">
         <p15:guide id="1" pos="3842">
@@ -7170,7 +7170,19 @@
             </a:r>
             <a:r>
               <a:rPr lang="en-GB" dirty="0"/>
-              <a:t>: A Possible List of Next Steps</a:t>
+              <a:t>: A Possible List of </a:t>
+            </a:r>
+            <a:r>
+              <a:rPr lang="en-DE" i="1" dirty="0"/>
+              <a:t>Concrete</a:t>
+            </a:r>
+            <a:r>
+              <a:rPr lang="en-DE" dirty="0"/>
+              <a:t> </a:t>
+            </a:r>
+            <a:r>
+              <a:rPr lang="en-GB" dirty="0"/>
+              <a:t>Next Steps</a:t>
             </a:r>
             <a:endParaRPr lang="en-US" dirty="0"/>
           </a:p>
